--- a/Presentations/2018-09-04 - Intro.pptx
+++ b/Presentations/2018-09-04 - Intro.pptx
@@ -221,7 +221,7 @@
           <a:p>
             <a:fld id="{E0483FA8-CE76-47A8-9E26-A4CF04462BB7}" type="datetimeFigureOut">
               <a:rPr lang="en-US" smtClean="0"/>
-              <a:t>9/3/2018</a:t>
+              <a:t>9/4/2018</a:t>
             </a:fld>
             <a:endParaRPr lang="en-US"/>
           </a:p>
@@ -883,7 +883,7 @@
           <a:p>
             <a:fld id="{D65F7E7C-9DB5-463E-B359-79A0FA341C43}" type="datetimeFigureOut">
               <a:rPr lang="en-US" smtClean="0"/>
-              <a:t>9/3/2018</a:t>
+              <a:t>9/4/2018</a:t>
             </a:fld>
             <a:endParaRPr lang="en-US"/>
           </a:p>
@@ -1053,7 +1053,7 @@
           <a:p>
             <a:fld id="{D65F7E7C-9DB5-463E-B359-79A0FA341C43}" type="datetimeFigureOut">
               <a:rPr lang="en-US" smtClean="0"/>
-              <a:t>9/3/2018</a:t>
+              <a:t>9/4/2018</a:t>
             </a:fld>
             <a:endParaRPr lang="en-US"/>
           </a:p>
@@ -1233,7 +1233,7 @@
           <a:p>
             <a:fld id="{D65F7E7C-9DB5-463E-B359-79A0FA341C43}" type="datetimeFigureOut">
               <a:rPr lang="en-US" smtClean="0"/>
-              <a:t>9/3/2018</a:t>
+              <a:t>9/4/2018</a:t>
             </a:fld>
             <a:endParaRPr lang="en-US"/>
           </a:p>
@@ -1403,7 +1403,7 @@
           <a:p>
             <a:fld id="{D65F7E7C-9DB5-463E-B359-79A0FA341C43}" type="datetimeFigureOut">
               <a:rPr lang="en-US" smtClean="0"/>
-              <a:t>9/3/2018</a:t>
+              <a:t>9/4/2018</a:t>
             </a:fld>
             <a:endParaRPr lang="en-US"/>
           </a:p>
@@ -1649,7 +1649,7 @@
           <a:p>
             <a:fld id="{D65F7E7C-9DB5-463E-B359-79A0FA341C43}" type="datetimeFigureOut">
               <a:rPr lang="en-US" smtClean="0"/>
-              <a:t>9/3/2018</a:t>
+              <a:t>9/4/2018</a:t>
             </a:fld>
             <a:endParaRPr lang="en-US"/>
           </a:p>
@@ -1881,7 +1881,7 @@
           <a:p>
             <a:fld id="{D65F7E7C-9DB5-463E-B359-79A0FA341C43}" type="datetimeFigureOut">
               <a:rPr lang="en-US" smtClean="0"/>
-              <a:t>9/3/2018</a:t>
+              <a:t>9/4/2018</a:t>
             </a:fld>
             <a:endParaRPr lang="en-US"/>
           </a:p>
@@ -2248,7 +2248,7 @@
           <a:p>
             <a:fld id="{D65F7E7C-9DB5-463E-B359-79A0FA341C43}" type="datetimeFigureOut">
               <a:rPr lang="en-US" smtClean="0"/>
-              <a:t>9/3/2018</a:t>
+              <a:t>9/4/2018</a:t>
             </a:fld>
             <a:endParaRPr lang="en-US"/>
           </a:p>
@@ -2366,7 +2366,7 @@
           <a:p>
             <a:fld id="{D65F7E7C-9DB5-463E-B359-79A0FA341C43}" type="datetimeFigureOut">
               <a:rPr lang="en-US" smtClean="0"/>
-              <a:t>9/3/2018</a:t>
+              <a:t>9/4/2018</a:t>
             </a:fld>
             <a:endParaRPr lang="en-US"/>
           </a:p>
@@ -2461,7 +2461,7 @@
           <a:p>
             <a:fld id="{D65F7E7C-9DB5-463E-B359-79A0FA341C43}" type="datetimeFigureOut">
               <a:rPr lang="en-US" smtClean="0"/>
-              <a:t>9/3/2018</a:t>
+              <a:t>9/4/2018</a:t>
             </a:fld>
             <a:endParaRPr lang="en-US"/>
           </a:p>
@@ -2738,7 +2738,7 @@
           <a:p>
             <a:fld id="{D65F7E7C-9DB5-463E-B359-79A0FA341C43}" type="datetimeFigureOut">
               <a:rPr lang="en-US" smtClean="0"/>
-              <a:t>9/3/2018</a:t>
+              <a:t>9/4/2018</a:t>
             </a:fld>
             <a:endParaRPr lang="en-US"/>
           </a:p>
@@ -2995,7 +2995,7 @@
           <a:p>
             <a:fld id="{D65F7E7C-9DB5-463E-B359-79A0FA341C43}" type="datetimeFigureOut">
               <a:rPr lang="en-US" smtClean="0"/>
-              <a:t>9/3/2018</a:t>
+              <a:t>9/4/2018</a:t>
             </a:fld>
             <a:endParaRPr lang="en-US"/>
           </a:p>
@@ -3208,7 +3208,7 @@
           <a:p>
             <a:fld id="{D65F7E7C-9DB5-463E-B359-79A0FA341C43}" type="datetimeFigureOut">
               <a:rPr lang="en-US" smtClean="0"/>
-              <a:t>9/3/2018</a:t>
+              <a:t>9/4/2018</a:t>
             </a:fld>
             <a:endParaRPr lang="en-US"/>
           </a:p>
@@ -4737,26 +4737,46 @@
             </a:r>
           </a:p>
           <a:p>
-            <a:pPr marL="0" indent="0">
-              <a:buNone/>
-            </a:pPr>
-            <a:r>
-              <a:rPr lang="en-US" b="1"/>
-              <a:t>External</a:t>
-            </a:r>
-          </a:p>
-          <a:p>
             <a:pPr marL="514350" indent="-514350">
               <a:buFont typeface="+mj-lt"/>
               <a:buAutoNum type="arabicPeriod"/>
             </a:pPr>
             <a:r>
               <a:rPr lang="en-US"/>
-              <a:t>p5.js reference page: </a:t>
+              <a:t>Class sketches: </a:t>
             </a:r>
             <a:r>
               <a:rPr lang="en-US">
                 <a:hlinkClick r:id="rId2"/>
+              </a:rPr>
+              <a:t>https://editor.p5js.org/crhallberg/sketches</a:t>
+            </a:r>
+            <a:r>
+              <a:rPr lang="en-US"/>
+              <a:t> </a:t>
+            </a:r>
+          </a:p>
+          <a:p>
+            <a:pPr marL="0" indent="0">
+              <a:buNone/>
+            </a:pPr>
+            <a:r>
+              <a:rPr lang="en-US" b="1"/>
+              <a:t>External</a:t>
+            </a:r>
+          </a:p>
+          <a:p>
+            <a:pPr marL="514350" indent="-514350">
+              <a:buFont typeface="+mj-lt"/>
+              <a:buAutoNum type="arabicPeriod"/>
+            </a:pPr>
+            <a:r>
+              <a:rPr lang="en-US"/>
+              <a:t>p5.js reference page: </a:t>
+            </a:r>
+            <a:r>
+              <a:rPr lang="en-US">
+                <a:hlinkClick r:id="rId3"/>
               </a:rPr>
               <a:t>https://p5js.org/reference/</a:t>
             </a:r>
@@ -6096,8 +6116,8 @@
           <a:lstStyle/>
           <a:p>
             <a:r>
-              <a:rPr lang="en-US" dirty="0">
-                <a:latin typeface="+mj-lt"/>
+              <a:rPr lang="en-US" sz="3200" dirty="0">
+                <a:ea typeface="Source Sans Pro Semibold" panose="020B0603030403020204" pitchFamily="34" charset="0"/>
               </a:rPr>
               <a:t>crhallberg@gmail.com</a:t>
             </a:r>
@@ -6301,6 +6321,14 @@
 <file path=ppt/slides/slide21.xml><?xml version="1.0" encoding="utf-8"?>
 <p:sld xmlns:a="http://schemas.openxmlformats.org/drawingml/2006/main" xmlns:r="http://schemas.openxmlformats.org/officeDocument/2006/relationships" xmlns:p="http://schemas.openxmlformats.org/presentationml/2006/main">
   <p:cSld>
+    <p:bg>
+      <p:bgPr>
+        <a:solidFill>
+          <a:schemeClr val="bg1"/>
+        </a:solidFill>
+        <a:effectLst/>
+      </p:bgPr>
+    </p:bg>
     <p:spTree>
       <p:nvGrpSpPr>
         <p:cNvPr id="1" name=""/>
@@ -6331,13 +6359,21 @@
             <p:ph type="title"/>
           </p:nvPr>
         </p:nvSpPr>
-        <p:spPr/>
-        <p:txBody>
-          <a:bodyPr/>
-          <a:lstStyle/>
-          <a:p>
-            <a:r>
-              <a:rPr lang="en-US" dirty="0"/>
+        <p:spPr>
+          <a:xfrm>
+            <a:off x="633446" y="640081"/>
+            <a:ext cx="6274590" cy="3849244"/>
+          </a:xfrm>
+          <a:noFill/>
+        </p:spPr>
+        <p:txBody>
+          <a:bodyPr vert="horz" lIns="91440" tIns="45720" rIns="91440" bIns="45720" rtlCol="0" anchor="b">
+            <a:normAutofit/>
+          </a:bodyPr>
+          <a:lstStyle/>
+          <a:p>
+            <a:r>
+              <a:rPr lang="en-US" sz="6000"/>
               <a:t>Minute Surveys</a:t>
             </a:r>
           </a:p>
@@ -6357,7 +6393,7 @@
           </p:cNvPicPr>
           <p:nvPr/>
         </p:nvPicPr>
-        <p:blipFill>
+        <p:blipFill rotWithShape="1">
           <a:blip r:embed="rId2">
             <a:extLst>
               <a:ext uri="{28A0092B-C50C-407E-A947-70E740481C1C}">
@@ -6365,15 +6401,13 @@
               </a:ext>
             </a:extLst>
           </a:blip>
-          <a:srcRect/>
-          <a:stretch>
-            <a:fillRect/>
-          </a:stretch>
+          <a:srcRect l="7070" r="5422"/>
+          <a:stretch/>
         </p:blipFill>
         <p:spPr bwMode="auto">
           <a:xfrm>
-            <a:off x="6053664" y="0"/>
-            <a:ext cx="5300136" cy="6865544"/>
+            <a:off x="7552944" y="10"/>
+            <a:ext cx="4636008" cy="6857990"/>
           </a:xfrm>
           <a:prstGeom prst="rect">
             <a:avLst/>
@@ -6406,6 +6440,14 @@
 <file path=ppt/slides/slide22.xml><?xml version="1.0" encoding="utf-8"?>
 <p:sld xmlns:a="http://schemas.openxmlformats.org/drawingml/2006/main" xmlns:r="http://schemas.openxmlformats.org/officeDocument/2006/relationships" xmlns:p="http://schemas.openxmlformats.org/presentationml/2006/main">
   <p:cSld>
+    <p:bg>
+      <p:bgPr>
+        <a:solidFill>
+          <a:schemeClr val="bg1"/>
+        </a:solidFill>
+        <a:effectLst/>
+      </p:bgPr>
+    </p:bg>
     <p:spTree>
       <p:nvGrpSpPr>
         <p:cNvPr id="1" name=""/>
@@ -6436,9 +6478,16 @@
             <p:ph type="title"/>
           </p:nvPr>
         </p:nvSpPr>
-        <p:spPr/>
-        <p:txBody>
-          <a:bodyPr/>
+        <p:spPr>
+          <a:xfrm>
+            <a:off x="838200" y="365125"/>
+            <a:ext cx="10515600" cy="1325563"/>
+          </a:xfrm>
+        </p:spPr>
+        <p:txBody>
+          <a:bodyPr>
+            <a:normAutofit/>
+          </a:bodyPr>
           <a:lstStyle/>
           <a:p>
             <a:r>
@@ -6465,53 +6514,53 @@
             <p:ph idx="1"/>
           </p:nvPr>
         </p:nvSpPr>
-        <p:spPr/>
-        <p:txBody>
-          <a:bodyPr/>
+        <p:spPr>
+          <a:xfrm>
+            <a:off x="838200" y="1825625"/>
+            <a:ext cx="3797807" cy="4351338"/>
+          </a:xfrm>
+        </p:spPr>
+        <p:txBody>
+          <a:bodyPr>
+            <a:normAutofit/>
+          </a:bodyPr>
           <a:lstStyle/>
           <a:p>
             <a:pPr marL="0" indent="0">
               <a:buNone/>
             </a:pPr>
             <a:r>
-              <a:rPr lang="en-US" b="1" dirty="0"/>
-              <a:t>Your final grade will </a:t>
-            </a:r>
-            <a:r>
-              <a:rPr lang="en-US" b="1"/>
-              <a:t>consist of:</a:t>
-            </a:r>
-            <a:endParaRPr lang="en-US" b="1" dirty="0"/>
+              <a:rPr lang="en-US" sz="2000" b="1"/>
+              <a:t>Your final grade will consist of:</a:t>
+            </a:r>
           </a:p>
           <a:p>
             <a:pPr marL="0" indent="0">
               <a:buNone/>
             </a:pPr>
-            <a:endParaRPr lang="en-US" dirty="0"/>
-          </a:p>
-          <a:p>
-            <a:r>
-              <a:rPr lang="en-US"/>
+            <a:endParaRPr lang="en-US" sz="2000"/>
+          </a:p>
+          <a:p>
+            <a:r>
+              <a:rPr lang="en-US" sz="2000"/>
               <a:t>20% for participation</a:t>
             </a:r>
-            <a:endParaRPr lang="en-US" dirty="0"/>
-          </a:p>
-          <a:p>
-            <a:r>
-              <a:rPr lang="en-US"/>
+          </a:p>
+          <a:p>
+            <a:r>
+              <a:rPr lang="en-US" sz="2000"/>
               <a:t>20% for homework</a:t>
             </a:r>
-            <a:endParaRPr lang="en-US" dirty="0"/>
-          </a:p>
-          <a:p>
-            <a:r>
-              <a:rPr lang="en-US" dirty="0"/>
+          </a:p>
+          <a:p>
+            <a:r>
+              <a:rPr lang="en-US" sz="2000"/>
               <a:t>25% for your midterm project</a:t>
             </a:r>
           </a:p>
           <a:p>
             <a:r>
-              <a:rPr lang="en-US" dirty="0"/>
+              <a:rPr lang="en-US" sz="2000"/>
               <a:t>35% for your final project</a:t>
             </a:r>
           </a:p>
@@ -6531,7 +6580,7 @@
           </p:cNvPicPr>
           <p:nvPr/>
         </p:nvPicPr>
-        <p:blipFill>
+        <p:blipFill rotWithShape="1">
           <a:blip r:embed="rId2">
             <a:extLst>
               <a:ext uri="{28A0092B-C50C-407E-A947-70E740481C1C}">
@@ -6539,15 +6588,13 @@
               </a:ext>
             </a:extLst>
           </a:blip>
-          <a:srcRect/>
-          <a:stretch>
-            <a:fillRect/>
-          </a:stretch>
+          <a:srcRect r="1" b="8604"/>
+          <a:stretch/>
         </p:blipFill>
         <p:spPr bwMode="auto">
           <a:xfrm>
-            <a:off x="6766560" y="1394460"/>
-            <a:ext cx="5425440" cy="4069080"/>
+            <a:off x="5120640" y="1904281"/>
+            <a:ext cx="6233160" cy="4272681"/>
           </a:xfrm>
           <a:prstGeom prst="rect">
             <a:avLst/>
@@ -7078,10 +7125,26 @@
             <p:ph idx="1"/>
           </p:nvPr>
         </p:nvSpPr>
-        <p:spPr/>
-        <p:txBody>
-          <a:bodyPr/>
-          <a:lstStyle/>
+        <p:spPr>
+          <a:xfrm>
+            <a:off x="838200" y="1825624"/>
+            <a:ext cx="10515600" cy="5032375"/>
+          </a:xfrm>
+        </p:spPr>
+        <p:txBody>
+          <a:bodyPr>
+            <a:normAutofit lnSpcReduction="10000"/>
+          </a:bodyPr>
+          <a:lstStyle/>
+          <a:p>
+            <a:r>
+              <a:rPr lang="en-US"/>
+              <a:t>Nothing really.</a:t>
+            </a:r>
+          </a:p>
+          <a:p>
+            <a:endParaRPr lang="en-US"/>
+          </a:p>
           <a:p>
             <a:r>
               <a:rPr lang="en-US"/>
@@ -7153,14 +7216,14 @@
             <a:pPr lvl="1"/>
             <a:r>
               <a:rPr lang="en-US"/>
-              <a:t>Great article with intractive examples</a:t>
+              <a:t>Great article about being a programmer and history of coding</a:t>
             </a:r>
           </a:p>
           <a:p>
             <a:pPr lvl="1"/>
             <a:r>
               <a:rPr lang="en-US"/>
-              <a:t>Skip to section 1.1 (or 2 if you don’t want to know about the author)</a:t>
+              <a:t>This is the longest article you’ll ever read </a:t>
             </a:r>
           </a:p>
         </p:txBody>
